--- a/doc/example/canberra_south.pptx
+++ b/doc/example/canberra_south.pptx
@@ -19,7 +19,11 @@
     <p:sldId id="268" r:id="rId13"/>
     <p:sldId id="269" r:id="rId14"/>
     <p:sldId id="270" r:id="rId15"/>
-    <p:sldId id="271" r:id="rId16"/>
+    <p:sldId id="272" r:id="rId16"/>
+    <p:sldId id="273" r:id="rId17"/>
+    <p:sldId id="271" r:id="rId18"/>
+    <p:sldId id="274" r:id="rId19"/>
+    <p:sldId id="275" r:id="rId20"/>
   </p:sldIdLst>
   <p:sldSz cx="9144000" cy="6858000" type="screen4x3"/>
   <p:notesSz cx="7010400" cy="9296400"/>
@@ -303,7 +307,7 @@
             <a:fld id="{1D8BD707-D9CF-40AE-B4C6-C98DA3205C09}" type="datetimeFigureOut">
               <a:rPr lang="en-US" smtClean="0"/>
               <a:pPr/>
-              <a:t>3/2/2014</a:t>
+              <a:t>3/3/2014</a:t>
             </a:fld>
             <a:endParaRPr lang="en-US"/>
           </a:p>
@@ -470,7 +474,7 @@
             <a:fld id="{1D8BD707-D9CF-40AE-B4C6-C98DA3205C09}" type="datetimeFigureOut">
               <a:rPr lang="en-US" smtClean="0"/>
               <a:pPr/>
-              <a:t>3/2/2014</a:t>
+              <a:t>3/3/2014</a:t>
             </a:fld>
             <a:endParaRPr lang="en-US"/>
           </a:p>
@@ -647,7 +651,7 @@
             <a:fld id="{1D8BD707-D9CF-40AE-B4C6-C98DA3205C09}" type="datetimeFigureOut">
               <a:rPr lang="en-US" smtClean="0"/>
               <a:pPr/>
-              <a:t>3/2/2014</a:t>
+              <a:t>3/3/2014</a:t>
             </a:fld>
             <a:endParaRPr lang="en-US"/>
           </a:p>
@@ -814,7 +818,7 @@
             <a:fld id="{1D8BD707-D9CF-40AE-B4C6-C98DA3205C09}" type="datetimeFigureOut">
               <a:rPr lang="en-US" smtClean="0"/>
               <a:pPr/>
-              <a:t>3/2/2014</a:t>
+              <a:t>3/3/2014</a:t>
             </a:fld>
             <a:endParaRPr lang="en-US"/>
           </a:p>
@@ -1057,7 +1061,7 @@
             <a:fld id="{1D8BD707-D9CF-40AE-B4C6-C98DA3205C09}" type="datetimeFigureOut">
               <a:rPr lang="en-US" smtClean="0"/>
               <a:pPr/>
-              <a:t>3/2/2014</a:t>
+              <a:t>3/3/2014</a:t>
             </a:fld>
             <a:endParaRPr lang="en-US"/>
           </a:p>
@@ -1342,7 +1346,7 @@
             <a:fld id="{1D8BD707-D9CF-40AE-B4C6-C98DA3205C09}" type="datetimeFigureOut">
               <a:rPr lang="en-US" smtClean="0"/>
               <a:pPr/>
-              <a:t>3/2/2014</a:t>
+              <a:t>3/3/2014</a:t>
             </a:fld>
             <a:endParaRPr lang="en-US"/>
           </a:p>
@@ -1761,7 +1765,7 @@
             <a:fld id="{1D8BD707-D9CF-40AE-B4C6-C98DA3205C09}" type="datetimeFigureOut">
               <a:rPr lang="en-US" smtClean="0"/>
               <a:pPr/>
-              <a:t>3/2/2014</a:t>
+              <a:t>3/3/2014</a:t>
             </a:fld>
             <a:endParaRPr lang="en-US"/>
           </a:p>
@@ -1876,7 +1880,7 @@
             <a:fld id="{1D8BD707-D9CF-40AE-B4C6-C98DA3205C09}" type="datetimeFigureOut">
               <a:rPr lang="en-US" smtClean="0"/>
               <a:pPr/>
-              <a:t>3/2/2014</a:t>
+              <a:t>3/3/2014</a:t>
             </a:fld>
             <a:endParaRPr lang="en-US"/>
           </a:p>
@@ -1968,7 +1972,7 @@
             <a:fld id="{1D8BD707-D9CF-40AE-B4C6-C98DA3205C09}" type="datetimeFigureOut">
               <a:rPr lang="en-US" smtClean="0"/>
               <a:pPr/>
-              <a:t>3/2/2014</a:t>
+              <a:t>3/3/2014</a:t>
             </a:fld>
             <a:endParaRPr lang="en-US"/>
           </a:p>
@@ -2242,7 +2246,7 @@
             <a:fld id="{1D8BD707-D9CF-40AE-B4C6-C98DA3205C09}" type="datetimeFigureOut">
               <a:rPr lang="en-US" smtClean="0"/>
               <a:pPr/>
-              <a:t>3/2/2014</a:t>
+              <a:t>3/3/2014</a:t>
             </a:fld>
             <a:endParaRPr lang="en-US"/>
           </a:p>
@@ -2492,7 +2496,7 @@
             <a:fld id="{1D8BD707-D9CF-40AE-B4C6-C98DA3205C09}" type="datetimeFigureOut">
               <a:rPr lang="en-US" smtClean="0"/>
               <a:pPr/>
-              <a:t>3/2/2014</a:t>
+              <a:t>3/3/2014</a:t>
             </a:fld>
             <a:endParaRPr lang="en-US"/>
           </a:p>
@@ -2702,7 +2706,7 @@
             <a:fld id="{1D8BD707-D9CF-40AE-B4C6-C98DA3205C09}" type="datetimeFigureOut">
               <a:rPr lang="en-US" smtClean="0"/>
               <a:pPr/>
-              <a:t>3/2/2014</a:t>
+              <a:t>3/3/2014</a:t>
             </a:fld>
             <a:endParaRPr lang="en-US"/>
           </a:p>
@@ -3789,10 +3793,667 @@
           <a:chExt cx="0" cy="0"/>
         </a:xfrm>
       </p:grpSpPr>
+      <p:pic>
+        <p:nvPicPr>
+          <p:cNvPr id="2050" name="Picture 2"/>
+          <p:cNvPicPr>
+            <a:picLocks noChangeAspect="1" noChangeArrowheads="1"/>
+          </p:cNvPicPr>
+          <p:nvPr/>
+        </p:nvPicPr>
+        <p:blipFill>
+          <a:blip r:embed="rId2">
+            <a:extLst>
+              <a:ext uri="{28A0092B-C50C-407E-A947-70E740481C1C}">
+                <a14:useLocalDpi xmlns:a14="http://schemas.microsoft.com/office/drawing/2010/main" val="0"/>
+              </a:ext>
+            </a:extLst>
+          </a:blip>
+          <a:srcRect/>
+          <a:stretch>
+            <a:fillRect/>
+          </a:stretch>
+        </p:blipFill>
+        <p:spPr bwMode="auto">
+          <a:xfrm>
+            <a:off x="1638300" y="678095"/>
+            <a:ext cx="6134100" cy="6151330"/>
+          </a:xfrm>
+          <a:prstGeom prst="rect">
+            <a:avLst/>
+          </a:prstGeom>
+          <a:noFill/>
+          <a:ln>
+            <a:noFill/>
+          </a:ln>
+          <a:extLst>
+            <a:ext uri="{909E8E84-426E-40DD-AFC4-6F175D3DCCD1}">
+              <a14:hiddenFill xmlns:a14="http://schemas.microsoft.com/office/drawing/2010/main">
+                <a:solidFill>
+                  <a:schemeClr val="accent1"/>
+                </a:solidFill>
+              </a14:hiddenFill>
+            </a:ext>
+            <a:ext uri="{91240B29-F687-4F45-9708-019B960494DF}">
+              <a14:hiddenLine xmlns:a14="http://schemas.microsoft.com/office/drawing/2010/main" w="9525">
+                <a:solidFill>
+                  <a:schemeClr val="tx1"/>
+                </a:solidFill>
+                <a:miter lim="800000"/>
+                <a:headEnd/>
+                <a:tailEnd/>
+              </a14:hiddenLine>
+            </a:ext>
+          </a:extLst>
+        </p:spPr>
+      </p:pic>
+      <p:sp>
+        <p:nvSpPr>
+          <p:cNvPr id="3" name="TextBox 2"/>
+          <p:cNvSpPr txBox="1"/>
+          <p:nvPr/>
+        </p:nvSpPr>
+        <p:spPr>
+          <a:xfrm>
+            <a:off x="0" y="-7441"/>
+            <a:ext cx="5685595" cy="830997"/>
+          </a:xfrm>
+          <a:prstGeom prst="rect">
+            <a:avLst/>
+          </a:prstGeom>
+          <a:noFill/>
+        </p:spPr>
+        <p:txBody>
+          <a:bodyPr wrap="none" rtlCol="0">
+            <a:spAutoFit/>
+          </a:bodyPr>
+          <a:lstStyle/>
+          <a:p>
+            <a:r>
+              <a:rPr lang="en-US" altLang="ja-JP" sz="2400" dirty="0" smtClean="0"/>
+              <a:t>4</a:t>
+            </a:r>
+            <a:r>
+              <a:rPr lang="en-US" altLang="ja-JP" sz="2400" dirty="0" smtClean="0"/>
+              <a:t>km x 4km w/o </a:t>
+            </a:r>
+            <a:r>
+              <a:rPr lang="en-US" altLang="ja-JP" sz="2400" dirty="0" smtClean="0"/>
+              <a:t>Boundary No invasion check</a:t>
+            </a:r>
+          </a:p>
+          <a:p>
+            <a:r>
+              <a:rPr lang="en-US" sz="2400" dirty="0" smtClean="0"/>
+              <a:t>(</a:t>
+            </a:r>
+            <a:r>
+              <a:rPr lang="en-US" sz="2400" dirty="0" smtClean="0"/>
+              <a:t>Simplified) kde_feature_canberra3.xml</a:t>
+            </a:r>
+            <a:endParaRPr lang="en-US" sz="2400" dirty="0"/>
+          </a:p>
+        </p:txBody>
+      </p:sp>
+    </p:spTree>
+    <p:extLst>
+      <p:ext uri="{BB962C8B-B14F-4D97-AF65-F5344CB8AC3E}">
+        <p14:creationId xmlns:p14="http://schemas.microsoft.com/office/powerpoint/2010/main" val="2365721021"/>
+      </p:ext>
+    </p:extLst>
+  </p:cSld>
+  <p:clrMapOvr>
+    <a:masterClrMapping/>
+  </p:clrMapOvr>
+</p:sld>
+</file>
+
+<file path=ppt/slides/slide16.xml><?xml version="1.0" encoding="utf-8"?>
+<p:sld xmlns:a="http://schemas.openxmlformats.org/drawingml/2006/main" xmlns:r="http://schemas.openxmlformats.org/officeDocument/2006/relationships" xmlns:p="http://schemas.openxmlformats.org/presentationml/2006/main">
+  <p:cSld>
+    <p:spTree>
+      <p:nvGrpSpPr>
+        <p:cNvPr id="1" name=""/>
+        <p:cNvGrpSpPr/>
+        <p:nvPr/>
+      </p:nvGrpSpPr>
+      <p:grpSpPr>
+        <a:xfrm>
+          <a:off x="0" y="0"/>
+          <a:ext cx="0" cy="0"/>
+          <a:chOff x="0" y="0"/>
+          <a:chExt cx="0" cy="0"/>
+        </a:xfrm>
+      </p:grpSpPr>
+      <p:pic>
+        <p:nvPicPr>
+          <p:cNvPr id="3074" name="Picture 2"/>
+          <p:cNvPicPr>
+            <a:picLocks noChangeAspect="1" noChangeArrowheads="1"/>
+          </p:cNvPicPr>
+          <p:nvPr/>
+        </p:nvPicPr>
+        <p:blipFill>
+          <a:blip r:embed="rId2">
+            <a:extLst>
+              <a:ext uri="{28A0092B-C50C-407E-A947-70E740481C1C}">
+                <a14:useLocalDpi xmlns:a14="http://schemas.microsoft.com/office/drawing/2010/main" val="0"/>
+              </a:ext>
+            </a:extLst>
+          </a:blip>
+          <a:srcRect/>
+          <a:stretch>
+            <a:fillRect/>
+          </a:stretch>
+        </p:blipFill>
+        <p:spPr bwMode="auto">
+          <a:xfrm>
+            <a:off x="1546210" y="775992"/>
+            <a:ext cx="6073790" cy="6082762"/>
+          </a:xfrm>
+          <a:prstGeom prst="rect">
+            <a:avLst/>
+          </a:prstGeom>
+          <a:noFill/>
+          <a:ln>
+            <a:noFill/>
+          </a:ln>
+          <a:extLst>
+            <a:ext uri="{909E8E84-426E-40DD-AFC4-6F175D3DCCD1}">
+              <a14:hiddenFill xmlns:a14="http://schemas.microsoft.com/office/drawing/2010/main">
+                <a:solidFill>
+                  <a:schemeClr val="accent1"/>
+                </a:solidFill>
+              </a14:hiddenFill>
+            </a:ext>
+            <a:ext uri="{91240B29-F687-4F45-9708-019B960494DF}">
+              <a14:hiddenLine xmlns:a14="http://schemas.microsoft.com/office/drawing/2010/main" w="9525">
+                <a:solidFill>
+                  <a:schemeClr val="tx1"/>
+                </a:solidFill>
+                <a:miter lim="800000"/>
+                <a:headEnd/>
+                <a:tailEnd/>
+              </a14:hiddenLine>
+            </a:ext>
+          </a:extLst>
+        </p:spPr>
+      </p:pic>
+      <p:sp>
+        <p:nvSpPr>
+          <p:cNvPr id="3" name="TextBox 2"/>
+          <p:cNvSpPr txBox="1"/>
+          <p:nvPr/>
+        </p:nvSpPr>
+        <p:spPr>
+          <a:xfrm>
+            <a:off x="0" y="-7441"/>
+            <a:ext cx="5639557" cy="830997"/>
+          </a:xfrm>
+          <a:prstGeom prst="rect">
+            <a:avLst/>
+          </a:prstGeom>
+          <a:noFill/>
+        </p:spPr>
+        <p:txBody>
+          <a:bodyPr wrap="none" rtlCol="0">
+            <a:spAutoFit/>
+          </a:bodyPr>
+          <a:lstStyle/>
+          <a:p>
+            <a:r>
+              <a:rPr lang="en-US" altLang="ja-JP" sz="2400" dirty="0" smtClean="0"/>
+              <a:t>4</a:t>
+            </a:r>
+            <a:r>
+              <a:rPr lang="en-US" altLang="ja-JP" sz="2400" dirty="0" smtClean="0"/>
+              <a:t>km x 4km w/ </a:t>
+            </a:r>
+            <a:r>
+              <a:rPr lang="en-US" altLang="ja-JP" sz="2400" dirty="0" smtClean="0"/>
+              <a:t>Boundary </a:t>
+            </a:r>
+            <a:r>
+              <a:rPr lang="en-US" altLang="ja-JP" sz="2400" dirty="0" smtClean="0"/>
+              <a:t> invasion check ON</a:t>
+            </a:r>
+            <a:endParaRPr lang="en-US" altLang="ja-JP" sz="2400" dirty="0" smtClean="0"/>
+          </a:p>
+          <a:p>
+            <a:r>
+              <a:rPr lang="en-US" sz="2400" dirty="0" smtClean="0"/>
+              <a:t>(</a:t>
+            </a:r>
+            <a:r>
+              <a:rPr lang="en-US" sz="2400" dirty="0" smtClean="0"/>
+              <a:t>Simplified) kde_feature_canberra3.xml</a:t>
+            </a:r>
+            <a:endParaRPr lang="en-US" sz="2400" dirty="0"/>
+          </a:p>
+        </p:txBody>
+      </p:sp>
+    </p:spTree>
+    <p:extLst>
+      <p:ext uri="{BB962C8B-B14F-4D97-AF65-F5344CB8AC3E}">
+        <p14:creationId xmlns:p14="http://schemas.microsoft.com/office/powerpoint/2010/main" val="2895108666"/>
+      </p:ext>
+    </p:extLst>
+  </p:cSld>
+  <p:clrMapOvr>
+    <a:masterClrMapping/>
+  </p:clrMapOvr>
+</p:sld>
+</file>
+
+<file path=ppt/slides/slide17.xml><?xml version="1.0" encoding="utf-8"?>
+<p:sld xmlns:a="http://schemas.openxmlformats.org/drawingml/2006/main" xmlns:r="http://schemas.openxmlformats.org/officeDocument/2006/relationships" xmlns:p="http://schemas.openxmlformats.org/presentationml/2006/main">
+  <p:cSld>
+    <p:spTree>
+      <p:nvGrpSpPr>
+        <p:cNvPr id="1" name=""/>
+        <p:cNvGrpSpPr/>
+        <p:nvPr/>
+      </p:nvGrpSpPr>
+      <p:grpSpPr>
+        <a:xfrm>
+          <a:off x="0" y="0"/>
+          <a:ext cx="0" cy="0"/>
+          <a:chOff x="0" y="0"/>
+          <a:chExt cx="0" cy="0"/>
+        </a:xfrm>
+      </p:grpSpPr>
+      <p:pic>
+        <p:nvPicPr>
+          <p:cNvPr id="1026" name="Picture 2"/>
+          <p:cNvPicPr>
+            <a:picLocks noChangeAspect="1" noChangeArrowheads="1"/>
+          </p:cNvPicPr>
+          <p:nvPr/>
+        </p:nvPicPr>
+        <p:blipFill>
+          <a:blip r:embed="rId2">
+            <a:extLst>
+              <a:ext uri="{28A0092B-C50C-407E-A947-70E740481C1C}">
+                <a14:useLocalDpi xmlns:a14="http://schemas.microsoft.com/office/drawing/2010/main" val="0"/>
+              </a:ext>
+            </a:extLst>
+          </a:blip>
+          <a:srcRect/>
+          <a:stretch>
+            <a:fillRect/>
+          </a:stretch>
+        </p:blipFill>
+        <p:spPr bwMode="auto">
+          <a:xfrm>
+            <a:off x="1600200" y="804863"/>
+            <a:ext cx="6019800" cy="6019800"/>
+          </a:xfrm>
+          <a:prstGeom prst="rect">
+            <a:avLst/>
+          </a:prstGeom>
+          <a:noFill/>
+          <a:ln>
+            <a:noFill/>
+          </a:ln>
+          <a:extLst>
+            <a:ext uri="{909E8E84-426E-40DD-AFC4-6F175D3DCCD1}">
+              <a14:hiddenFill xmlns:a14="http://schemas.microsoft.com/office/drawing/2010/main">
+                <a:solidFill>
+                  <a:schemeClr val="accent1"/>
+                </a:solidFill>
+              </a14:hiddenFill>
+            </a:ext>
+            <a:ext uri="{91240B29-F687-4F45-9708-019B960494DF}">
+              <a14:hiddenLine xmlns:a14="http://schemas.microsoft.com/office/drawing/2010/main" w="9525">
+                <a:solidFill>
+                  <a:schemeClr val="tx1"/>
+                </a:solidFill>
+                <a:miter lim="800000"/>
+                <a:headEnd/>
+                <a:tailEnd/>
+              </a14:hiddenLine>
+            </a:ext>
+          </a:extLst>
+        </p:spPr>
+      </p:pic>
+      <p:sp>
+        <p:nvSpPr>
+          <p:cNvPr id="3" name="TextBox 2"/>
+          <p:cNvSpPr txBox="1"/>
+          <p:nvPr/>
+        </p:nvSpPr>
+        <p:spPr>
+          <a:xfrm>
+            <a:off x="0" y="-7441"/>
+            <a:ext cx="8551252" cy="830997"/>
+          </a:xfrm>
+          <a:prstGeom prst="rect">
+            <a:avLst/>
+          </a:prstGeom>
+          <a:noFill/>
+        </p:spPr>
+        <p:txBody>
+          <a:bodyPr wrap="none" rtlCol="0">
+            <a:spAutoFit/>
+          </a:bodyPr>
+          <a:lstStyle/>
+          <a:p>
+            <a:r>
+              <a:rPr lang="en-US" altLang="ja-JP" sz="2400" dirty="0" smtClean="0"/>
+              <a:t>4</a:t>
+            </a:r>
+            <a:r>
+              <a:rPr lang="en-US" altLang="ja-JP" sz="2400" dirty="0" smtClean="0"/>
+              <a:t>km x 4km w/o </a:t>
+            </a:r>
+            <a:r>
+              <a:rPr lang="en-US" altLang="ja-JP" sz="2400" dirty="0" smtClean="0"/>
+              <a:t>Boundary No invasion check</a:t>
+            </a:r>
+          </a:p>
+          <a:p>
+            <a:r>
+              <a:rPr lang="en-US" sz="2400" dirty="0" smtClean="0"/>
+              <a:t>(</a:t>
+            </a:r>
+            <a:r>
+              <a:rPr lang="en-US" sz="2400" dirty="0" smtClean="0"/>
+              <a:t>Simplified</a:t>
+            </a:r>
+            <a:r>
+              <a:rPr lang="en-US" sz="2400" smtClean="0"/>
+              <a:t>, original + 10 </a:t>
+            </a:r>
+            <a:r>
+              <a:rPr lang="en-US" sz="2400" dirty="0"/>
+              <a:t>perturbation) </a:t>
+            </a:r>
+            <a:r>
+              <a:rPr lang="en-US" sz="2400" dirty="0" smtClean="0"/>
+              <a:t>  kde_feature_canberra4.xml</a:t>
+            </a:r>
+            <a:endParaRPr lang="en-US" sz="2400" dirty="0"/>
+          </a:p>
+        </p:txBody>
+      </p:sp>
     </p:spTree>
     <p:extLst>
       <p:ext uri="{BB962C8B-B14F-4D97-AF65-F5344CB8AC3E}">
         <p14:creationId xmlns:p14="http://schemas.microsoft.com/office/powerpoint/2010/main" val="1692886642"/>
+      </p:ext>
+    </p:extLst>
+  </p:cSld>
+  <p:clrMapOvr>
+    <a:masterClrMapping/>
+  </p:clrMapOvr>
+</p:sld>
+</file>
+
+<file path=ppt/slides/slide18.xml><?xml version="1.0" encoding="utf-8"?>
+<p:sld xmlns:a="http://schemas.openxmlformats.org/drawingml/2006/main" xmlns:r="http://schemas.openxmlformats.org/officeDocument/2006/relationships" xmlns:p="http://schemas.openxmlformats.org/presentationml/2006/main">
+  <p:cSld>
+    <p:spTree>
+      <p:nvGrpSpPr>
+        <p:cNvPr id="1" name=""/>
+        <p:cNvGrpSpPr/>
+        <p:nvPr/>
+      </p:nvGrpSpPr>
+      <p:grpSpPr>
+        <a:xfrm>
+          <a:off x="0" y="0"/>
+          <a:ext cx="0" cy="0"/>
+          <a:chOff x="0" y="0"/>
+          <a:chExt cx="0" cy="0"/>
+        </a:xfrm>
+      </p:grpSpPr>
+      <p:pic>
+        <p:nvPicPr>
+          <p:cNvPr id="4098" name="Picture 2"/>
+          <p:cNvPicPr>
+            <a:picLocks noChangeAspect="1" noChangeArrowheads="1"/>
+          </p:cNvPicPr>
+          <p:nvPr/>
+        </p:nvPicPr>
+        <p:blipFill>
+          <a:blip r:embed="rId2">
+            <a:extLst>
+              <a:ext uri="{28A0092B-C50C-407E-A947-70E740481C1C}">
+                <a14:useLocalDpi xmlns:a14="http://schemas.microsoft.com/office/drawing/2010/main" val="0"/>
+              </a:ext>
+            </a:extLst>
+          </a:blip>
+          <a:srcRect/>
+          <a:stretch>
+            <a:fillRect/>
+          </a:stretch>
+        </p:blipFill>
+        <p:spPr bwMode="auto">
+          <a:xfrm>
+            <a:off x="1524000" y="771525"/>
+            <a:ext cx="6122812" cy="6086475"/>
+          </a:xfrm>
+          <a:prstGeom prst="rect">
+            <a:avLst/>
+          </a:prstGeom>
+          <a:noFill/>
+          <a:ln>
+            <a:noFill/>
+          </a:ln>
+          <a:extLst>
+            <a:ext uri="{909E8E84-426E-40DD-AFC4-6F175D3DCCD1}">
+              <a14:hiddenFill xmlns:a14="http://schemas.microsoft.com/office/drawing/2010/main">
+                <a:solidFill>
+                  <a:schemeClr val="accent1"/>
+                </a:solidFill>
+              </a14:hiddenFill>
+            </a:ext>
+            <a:ext uri="{91240B29-F687-4F45-9708-019B960494DF}">
+              <a14:hiddenLine xmlns:a14="http://schemas.microsoft.com/office/drawing/2010/main" w="9525">
+                <a:solidFill>
+                  <a:schemeClr val="tx1"/>
+                </a:solidFill>
+                <a:miter lim="800000"/>
+                <a:headEnd/>
+                <a:tailEnd/>
+              </a14:hiddenLine>
+            </a:ext>
+          </a:extLst>
+        </p:spPr>
+      </p:pic>
+      <p:sp>
+        <p:nvSpPr>
+          <p:cNvPr id="3" name="TextBox 2"/>
+          <p:cNvSpPr txBox="1"/>
+          <p:nvPr/>
+        </p:nvSpPr>
+        <p:spPr>
+          <a:xfrm>
+            <a:off x="0" y="-7441"/>
+            <a:ext cx="7393884" cy="830997"/>
+          </a:xfrm>
+          <a:prstGeom prst="rect">
+            <a:avLst/>
+          </a:prstGeom>
+          <a:noFill/>
+        </p:spPr>
+        <p:txBody>
+          <a:bodyPr wrap="none" rtlCol="0">
+            <a:spAutoFit/>
+          </a:bodyPr>
+          <a:lstStyle/>
+          <a:p>
+            <a:r>
+              <a:rPr lang="en-US" altLang="ja-JP" sz="2400" dirty="0" smtClean="0"/>
+              <a:t>4</a:t>
+            </a:r>
+            <a:r>
+              <a:rPr lang="en-US" altLang="ja-JP" sz="2400" dirty="0" smtClean="0"/>
+              <a:t>km x 4km w Boundary, invasion check YES</a:t>
+            </a:r>
+            <a:endParaRPr lang="en-US" altLang="ja-JP" sz="2400" dirty="0" smtClean="0"/>
+          </a:p>
+          <a:p>
+            <a:r>
+              <a:rPr lang="en-US" sz="2400" dirty="0" smtClean="0"/>
+              <a:t>(</a:t>
+            </a:r>
+            <a:r>
+              <a:rPr lang="en-US" sz="2400" dirty="0" smtClean="0"/>
+              <a:t>Simplified, 1 </a:t>
+            </a:r>
+            <a:r>
+              <a:rPr lang="en-US" sz="2400" dirty="0"/>
+              <a:t>perturbation) </a:t>
+            </a:r>
+            <a:r>
+              <a:rPr lang="en-US" sz="2400" dirty="0" smtClean="0"/>
+              <a:t>  kde_feature_canberra5.xml</a:t>
+            </a:r>
+            <a:endParaRPr lang="en-US" sz="2400" dirty="0"/>
+          </a:p>
+        </p:txBody>
+      </p:sp>
+    </p:spTree>
+    <p:extLst>
+      <p:ext uri="{BB962C8B-B14F-4D97-AF65-F5344CB8AC3E}">
+        <p14:creationId xmlns:p14="http://schemas.microsoft.com/office/powerpoint/2010/main" val="164307618"/>
+      </p:ext>
+    </p:extLst>
+  </p:cSld>
+  <p:clrMapOvr>
+    <a:masterClrMapping/>
+  </p:clrMapOvr>
+</p:sld>
+</file>
+
+<file path=ppt/slides/slide19.xml><?xml version="1.0" encoding="utf-8"?>
+<p:sld xmlns:a="http://schemas.openxmlformats.org/drawingml/2006/main" xmlns:r="http://schemas.openxmlformats.org/officeDocument/2006/relationships" xmlns:p="http://schemas.openxmlformats.org/presentationml/2006/main">
+  <p:cSld>
+    <p:spTree>
+      <p:nvGrpSpPr>
+        <p:cNvPr id="1" name=""/>
+        <p:cNvGrpSpPr/>
+        <p:nvPr/>
+      </p:nvGrpSpPr>
+      <p:grpSpPr>
+        <a:xfrm>
+          <a:off x="0" y="0"/>
+          <a:ext cx="0" cy="0"/>
+          <a:chOff x="0" y="0"/>
+          <a:chExt cx="0" cy="0"/>
+        </a:xfrm>
+      </p:grpSpPr>
+      <p:pic>
+        <p:nvPicPr>
+          <p:cNvPr id="5122" name="Picture 2"/>
+          <p:cNvPicPr>
+            <a:picLocks noChangeAspect="1" noChangeArrowheads="1"/>
+          </p:cNvPicPr>
+          <p:nvPr/>
+        </p:nvPicPr>
+        <p:blipFill>
+          <a:blip r:embed="rId2">
+            <a:extLst>
+              <a:ext uri="{28A0092B-C50C-407E-A947-70E740481C1C}">
+                <a14:useLocalDpi xmlns:a14="http://schemas.microsoft.com/office/drawing/2010/main" val="0"/>
+              </a:ext>
+            </a:extLst>
+          </a:blip>
+          <a:srcRect/>
+          <a:stretch>
+            <a:fillRect/>
+          </a:stretch>
+        </p:blipFill>
+        <p:spPr bwMode="auto">
+          <a:xfrm>
+            <a:off x="1524000" y="914400"/>
+            <a:ext cx="5943600" cy="5943600"/>
+          </a:xfrm>
+          <a:prstGeom prst="rect">
+            <a:avLst/>
+          </a:prstGeom>
+          <a:noFill/>
+          <a:ln>
+            <a:noFill/>
+          </a:ln>
+          <a:extLst>
+            <a:ext uri="{909E8E84-426E-40DD-AFC4-6F175D3DCCD1}">
+              <a14:hiddenFill xmlns:a14="http://schemas.microsoft.com/office/drawing/2010/main">
+                <a:solidFill>
+                  <a:schemeClr val="accent1"/>
+                </a:solidFill>
+              </a14:hiddenFill>
+            </a:ext>
+            <a:ext uri="{91240B29-F687-4F45-9708-019B960494DF}">
+              <a14:hiddenLine xmlns:a14="http://schemas.microsoft.com/office/drawing/2010/main" w="9525">
+                <a:solidFill>
+                  <a:schemeClr val="tx1"/>
+                </a:solidFill>
+                <a:miter lim="800000"/>
+                <a:headEnd/>
+                <a:tailEnd/>
+              </a14:hiddenLine>
+            </a:ext>
+          </a:extLst>
+        </p:spPr>
+      </p:pic>
+      <p:sp>
+        <p:nvSpPr>
+          <p:cNvPr id="3" name="TextBox 2"/>
+          <p:cNvSpPr txBox="1"/>
+          <p:nvPr/>
+        </p:nvSpPr>
+        <p:spPr>
+          <a:xfrm>
+            <a:off x="0" y="-7441"/>
+            <a:ext cx="8395760" cy="830997"/>
+          </a:xfrm>
+          <a:prstGeom prst="rect">
+            <a:avLst/>
+          </a:prstGeom>
+          <a:noFill/>
+        </p:spPr>
+        <p:txBody>
+          <a:bodyPr wrap="none" rtlCol="0">
+            <a:spAutoFit/>
+          </a:bodyPr>
+          <a:lstStyle/>
+          <a:p>
+            <a:r>
+              <a:rPr lang="en-US" altLang="ja-JP" sz="2400" dirty="0" smtClean="0"/>
+              <a:t>4</a:t>
+            </a:r>
+            <a:r>
+              <a:rPr lang="en-US" altLang="ja-JP" sz="2400" dirty="0" smtClean="0"/>
+              <a:t>km x 4km w Boundary, invasion check YES</a:t>
+            </a:r>
+            <a:endParaRPr lang="en-US" altLang="ja-JP" sz="2400" dirty="0" smtClean="0"/>
+          </a:p>
+          <a:p>
+            <a:r>
+              <a:rPr lang="en-US" sz="2400" dirty="0" smtClean="0"/>
+              <a:t>(</a:t>
+            </a:r>
+            <a:r>
+              <a:rPr lang="en-US" sz="2400" dirty="0" smtClean="0"/>
+              <a:t>Simplified, original + 1 </a:t>
+            </a:r>
+            <a:r>
+              <a:rPr lang="en-US" sz="2400" dirty="0"/>
+              <a:t>perturbation) </a:t>
+            </a:r>
+            <a:r>
+              <a:rPr lang="en-US" sz="2400" dirty="0" smtClean="0"/>
+              <a:t>  kde_feature_canberra6.xml</a:t>
+            </a:r>
+            <a:endParaRPr lang="en-US" sz="2400" dirty="0"/>
+          </a:p>
+        </p:txBody>
+      </p:sp>
+    </p:spTree>
+    <p:extLst>
+      <p:ext uri="{BB962C8B-B14F-4D97-AF65-F5344CB8AC3E}">
+        <p14:creationId xmlns:p14="http://schemas.microsoft.com/office/powerpoint/2010/main" val="3227391059"/>
       </p:ext>
     </p:extLst>
   </p:cSld>
